--- a/Submission/Presentation.pptx
+++ b/Submission/Presentation.pptx
@@ -406,7 +406,7 @@
           <a:p>
             <a:fld id="{506E4A59-70D5-4CFB-BC83-B5209A8EA56D}" type="datetimeFigureOut">
               <a:rPr lang="it-IT" smtClean="0"/>
-              <a:t>06/06/2018</a:t>
+              <a:t>08/06/2018</a:t>
             </a:fld>
             <a:endParaRPr lang="it-IT"/>
           </a:p>
@@ -820,7 +820,7 @@
           <a:p>
             <a:fld id="{506E4A59-70D5-4CFB-BC83-B5209A8EA56D}" type="datetimeFigureOut">
               <a:rPr lang="it-IT" smtClean="0"/>
-              <a:t>06/06/2018</a:t>
+              <a:t>08/06/2018</a:t>
             </a:fld>
             <a:endParaRPr lang="it-IT"/>
           </a:p>
@@ -1156,7 +1156,7 @@
           <a:p>
             <a:fld id="{506E4A59-70D5-4CFB-BC83-B5209A8EA56D}" type="datetimeFigureOut">
               <a:rPr lang="it-IT" smtClean="0"/>
-              <a:t>06/06/2018</a:t>
+              <a:t>08/06/2018</a:t>
             </a:fld>
             <a:endParaRPr lang="it-IT"/>
           </a:p>
@@ -1561,7 +1561,7 @@
           <a:p>
             <a:fld id="{506E4A59-70D5-4CFB-BC83-B5209A8EA56D}" type="datetimeFigureOut">
               <a:rPr lang="it-IT" smtClean="0"/>
-              <a:t>06/06/2018</a:t>
+              <a:t>08/06/2018</a:t>
             </a:fld>
             <a:endParaRPr lang="it-IT"/>
           </a:p>
@@ -2129,7 +2129,7 @@
           <a:p>
             <a:fld id="{506E4A59-70D5-4CFB-BC83-B5209A8EA56D}" type="datetimeFigureOut">
               <a:rPr lang="it-IT" smtClean="0"/>
-              <a:t>06/06/2018</a:t>
+              <a:t>08/06/2018</a:t>
             </a:fld>
             <a:endParaRPr lang="it-IT"/>
           </a:p>
@@ -2810,7 +2810,7 @@
           <a:p>
             <a:fld id="{506E4A59-70D5-4CFB-BC83-B5209A8EA56D}" type="datetimeFigureOut">
               <a:rPr lang="it-IT" smtClean="0"/>
-              <a:t>06/06/2018</a:t>
+              <a:t>08/06/2018</a:t>
             </a:fld>
             <a:endParaRPr lang="it-IT"/>
           </a:p>
@@ -3723,7 +3723,7 @@
           <a:p>
             <a:fld id="{506E4A59-70D5-4CFB-BC83-B5209A8EA56D}" type="datetimeFigureOut">
               <a:rPr lang="it-IT" smtClean="0"/>
-              <a:t>06/06/2018</a:t>
+              <a:t>08/06/2018</a:t>
             </a:fld>
             <a:endParaRPr lang="it-IT"/>
           </a:p>
@@ -4036,7 +4036,7 @@
           <a:p>
             <a:fld id="{506E4A59-70D5-4CFB-BC83-B5209A8EA56D}" type="datetimeFigureOut">
               <a:rPr lang="it-IT" smtClean="0"/>
-              <a:t>06/06/2018</a:t>
+              <a:t>08/06/2018</a:t>
             </a:fld>
             <a:endParaRPr lang="it-IT"/>
           </a:p>
@@ -4300,7 +4300,7 @@
           <a:p>
             <a:fld id="{506E4A59-70D5-4CFB-BC83-B5209A8EA56D}" type="datetimeFigureOut">
               <a:rPr lang="it-IT" smtClean="0"/>
-              <a:t>06/06/2018</a:t>
+              <a:t>08/06/2018</a:t>
             </a:fld>
             <a:endParaRPr lang="it-IT"/>
           </a:p>
@@ -4641,7 +4641,7 @@
           <a:p>
             <a:fld id="{506E4A59-70D5-4CFB-BC83-B5209A8EA56D}" type="datetimeFigureOut">
               <a:rPr lang="it-IT" smtClean="0"/>
-              <a:t>06/06/2018</a:t>
+              <a:t>08/06/2018</a:t>
             </a:fld>
             <a:endParaRPr lang="it-IT"/>
           </a:p>
@@ -5030,7 +5030,7 @@
           <a:p>
             <a:fld id="{506E4A59-70D5-4CFB-BC83-B5209A8EA56D}" type="datetimeFigureOut">
               <a:rPr lang="it-IT" smtClean="0"/>
-              <a:t>06/06/2018</a:t>
+              <a:t>08/06/2018</a:t>
             </a:fld>
             <a:endParaRPr lang="it-IT"/>
           </a:p>
@@ -5406,7 +5406,7 @@
           <a:p>
             <a:fld id="{506E4A59-70D5-4CFB-BC83-B5209A8EA56D}" type="datetimeFigureOut">
               <a:rPr lang="it-IT" smtClean="0"/>
-              <a:t>06/06/2018</a:t>
+              <a:t>08/06/2018</a:t>
             </a:fld>
             <a:endParaRPr lang="it-IT"/>
           </a:p>
@@ -5912,7 +5912,7 @@
           <a:p>
             <a:fld id="{506E4A59-70D5-4CFB-BC83-B5209A8EA56D}" type="datetimeFigureOut">
               <a:rPr lang="it-IT" smtClean="0"/>
-              <a:t>06/06/2018</a:t>
+              <a:t>08/06/2018</a:t>
             </a:fld>
             <a:endParaRPr lang="it-IT"/>
           </a:p>
@@ -6169,7 +6169,7 @@
           <a:p>
             <a:fld id="{506E4A59-70D5-4CFB-BC83-B5209A8EA56D}" type="datetimeFigureOut">
               <a:rPr lang="it-IT" smtClean="0"/>
-              <a:t>06/06/2018</a:t>
+              <a:t>08/06/2018</a:t>
             </a:fld>
             <a:endParaRPr lang="it-IT"/>
           </a:p>
@@ -6332,7 +6332,7 @@
           <a:p>
             <a:fld id="{506E4A59-70D5-4CFB-BC83-B5209A8EA56D}" type="datetimeFigureOut">
               <a:rPr lang="it-IT" smtClean="0"/>
-              <a:t>06/06/2018</a:t>
+              <a:t>08/06/2018</a:t>
             </a:fld>
             <a:endParaRPr lang="it-IT"/>
           </a:p>
@@ -6722,7 +6722,7 @@
           <a:p>
             <a:fld id="{506E4A59-70D5-4CFB-BC83-B5209A8EA56D}" type="datetimeFigureOut">
               <a:rPr lang="it-IT" smtClean="0"/>
-              <a:t>06/06/2018</a:t>
+              <a:t>08/06/2018</a:t>
             </a:fld>
             <a:endParaRPr lang="it-IT"/>
           </a:p>
@@ -7131,7 +7131,7 @@
           <a:p>
             <a:fld id="{506E4A59-70D5-4CFB-BC83-B5209A8EA56D}" type="datetimeFigureOut">
               <a:rPr lang="it-IT" smtClean="0"/>
-              <a:t>06/06/2018</a:t>
+              <a:t>08/06/2018</a:t>
             </a:fld>
             <a:endParaRPr lang="it-IT"/>
           </a:p>
@@ -7375,7 +7375,7 @@
           <a:p>
             <a:fld id="{506E4A59-70D5-4CFB-BC83-B5209A8EA56D}" type="datetimeFigureOut">
               <a:rPr lang="it-IT" smtClean="0"/>
-              <a:t>06/06/2018</a:t>
+              <a:t>08/06/2018</a:t>
             </a:fld>
             <a:endParaRPr lang="it-IT"/>
           </a:p>
@@ -9655,23 +9655,23 @@
                   <a:schemeClr val="bg1"/>
                 </a:solidFill>
               </a:rPr>
-              <a:t>Random forest regressor</a:t>
+              <a:t>Decision Tree (Gradient Boosting)</a:t>
             </a:r>
           </a:p>
           <a:p>
             <a:r>
               <a:rPr lang="en-US" sz="3200" dirty="0"/>
-              <a:t>150 trees</a:t>
+              <a:t>Boosted 130 times</a:t>
             </a:r>
           </a:p>
           <a:p>
             <a:r>
               <a:rPr lang="en-US" sz="3200" dirty="0" err="1"/>
-              <a:t>min_samples_leaf</a:t>
+              <a:t>max_depth</a:t>
             </a:r>
             <a:r>
               <a:rPr lang="en-US" sz="3200" dirty="0"/>
-              <a:t> = 5</a:t>
+              <a:t> = 6</a:t>
             </a:r>
           </a:p>
           <a:p>
@@ -9687,36 +9687,28 @@
             </a:r>
             <a:r>
               <a:rPr lang="it-IT" sz="3200" dirty="0"/>
+              <a:t> Sales </a:t>
+            </a:r>
+            <a:r>
+              <a:rPr lang="it-IT" sz="3200" dirty="0" err="1"/>
+              <a:t>directly</a:t>
+            </a:r>
+            <a:r>
+              <a:rPr lang="it-IT" sz="3200" dirty="0"/>
+              <a:t> </a:t>
+            </a:r>
+            <a:r>
+              <a:rPr lang="it-IT" sz="3200" dirty="0" err="1"/>
+              <a:t>without</a:t>
+            </a:r>
+            <a:r>
+              <a:rPr lang="it-IT" sz="3200" dirty="0"/>
               <a:t> </a:t>
             </a:r>
             <a:r>
               <a:rPr lang="it-IT" sz="3200" dirty="0" err="1"/>
               <a:t>Customers</a:t>
             </a:r>
-            <a:r>
-              <a:rPr lang="it-IT" sz="3200" dirty="0"/>
-              <a:t> and </a:t>
-            </a:r>
-            <a:r>
-              <a:rPr lang="it-IT" sz="3200" dirty="0" err="1"/>
-              <a:t>then</a:t>
-            </a:r>
-            <a:r>
-              <a:rPr lang="it-IT" sz="3200" dirty="0"/>
-              <a:t> Sales </a:t>
-            </a:r>
-            <a:r>
-              <a:rPr lang="it-IT" sz="3200" dirty="0" err="1"/>
-              <a:t>including</a:t>
-            </a:r>
-            <a:r>
-              <a:rPr lang="it-IT" sz="3200" dirty="0"/>
-              <a:t> </a:t>
-            </a:r>
-            <a:r>
-              <a:rPr lang="it-IT" sz="3200" dirty="0" err="1"/>
-              <a:t>Customers</a:t>
-            </a:r>
             <a:endParaRPr lang="en-US" sz="3200" dirty="0"/>
           </a:p>
           <a:p>
@@ -9725,7 +9717,7 @@
             </a:pPr>
             <a:r>
               <a:rPr lang="en-US" sz="3200" dirty="0"/>
-              <a:t>R2 value of 82.9</a:t>
+              <a:t>R2 value of 85.5</a:t>
             </a:r>
             <a:endParaRPr lang="it-IT" sz="3200" dirty="0"/>
           </a:p>

--- a/Submission/Presentation.pptx
+++ b/Submission/Presentation.pptx
@@ -406,7 +406,7 @@
           <a:p>
             <a:fld id="{506E4A59-70D5-4CFB-BC83-B5209A8EA56D}" type="datetimeFigureOut">
               <a:rPr lang="it-IT" smtClean="0"/>
-              <a:t>08/06/2018</a:t>
+              <a:t>09/06/2018</a:t>
             </a:fld>
             <a:endParaRPr lang="it-IT"/>
           </a:p>
@@ -820,7 +820,7 @@
           <a:p>
             <a:fld id="{506E4A59-70D5-4CFB-BC83-B5209A8EA56D}" type="datetimeFigureOut">
               <a:rPr lang="it-IT" smtClean="0"/>
-              <a:t>08/06/2018</a:t>
+              <a:t>09/06/2018</a:t>
             </a:fld>
             <a:endParaRPr lang="it-IT"/>
           </a:p>
@@ -1156,7 +1156,7 @@
           <a:p>
             <a:fld id="{506E4A59-70D5-4CFB-BC83-B5209A8EA56D}" type="datetimeFigureOut">
               <a:rPr lang="it-IT" smtClean="0"/>
-              <a:t>08/06/2018</a:t>
+              <a:t>09/06/2018</a:t>
             </a:fld>
             <a:endParaRPr lang="it-IT"/>
           </a:p>
@@ -1561,7 +1561,7 @@
           <a:p>
             <a:fld id="{506E4A59-70D5-4CFB-BC83-B5209A8EA56D}" type="datetimeFigureOut">
               <a:rPr lang="it-IT" smtClean="0"/>
-              <a:t>08/06/2018</a:t>
+              <a:t>09/06/2018</a:t>
             </a:fld>
             <a:endParaRPr lang="it-IT"/>
           </a:p>
@@ -2129,7 +2129,7 @@
           <a:p>
             <a:fld id="{506E4A59-70D5-4CFB-BC83-B5209A8EA56D}" type="datetimeFigureOut">
               <a:rPr lang="it-IT" smtClean="0"/>
-              <a:t>08/06/2018</a:t>
+              <a:t>09/06/2018</a:t>
             </a:fld>
             <a:endParaRPr lang="it-IT"/>
           </a:p>
@@ -2810,7 +2810,7 @@
           <a:p>
             <a:fld id="{506E4A59-70D5-4CFB-BC83-B5209A8EA56D}" type="datetimeFigureOut">
               <a:rPr lang="it-IT" smtClean="0"/>
-              <a:t>08/06/2018</a:t>
+              <a:t>09/06/2018</a:t>
             </a:fld>
             <a:endParaRPr lang="it-IT"/>
           </a:p>
@@ -3723,7 +3723,7 @@
           <a:p>
             <a:fld id="{506E4A59-70D5-4CFB-BC83-B5209A8EA56D}" type="datetimeFigureOut">
               <a:rPr lang="it-IT" smtClean="0"/>
-              <a:t>08/06/2018</a:t>
+              <a:t>09/06/2018</a:t>
             </a:fld>
             <a:endParaRPr lang="it-IT"/>
           </a:p>
@@ -4036,7 +4036,7 @@
           <a:p>
             <a:fld id="{506E4A59-70D5-4CFB-BC83-B5209A8EA56D}" type="datetimeFigureOut">
               <a:rPr lang="it-IT" smtClean="0"/>
-              <a:t>08/06/2018</a:t>
+              <a:t>09/06/2018</a:t>
             </a:fld>
             <a:endParaRPr lang="it-IT"/>
           </a:p>
@@ -4300,7 +4300,7 @@
           <a:p>
             <a:fld id="{506E4A59-70D5-4CFB-BC83-B5209A8EA56D}" type="datetimeFigureOut">
               <a:rPr lang="it-IT" smtClean="0"/>
-              <a:t>08/06/2018</a:t>
+              <a:t>09/06/2018</a:t>
             </a:fld>
             <a:endParaRPr lang="it-IT"/>
           </a:p>
@@ -4641,7 +4641,7 @@
           <a:p>
             <a:fld id="{506E4A59-70D5-4CFB-BC83-B5209A8EA56D}" type="datetimeFigureOut">
               <a:rPr lang="it-IT" smtClean="0"/>
-              <a:t>08/06/2018</a:t>
+              <a:t>09/06/2018</a:t>
             </a:fld>
             <a:endParaRPr lang="it-IT"/>
           </a:p>
@@ -5030,7 +5030,7 @@
           <a:p>
             <a:fld id="{506E4A59-70D5-4CFB-BC83-B5209A8EA56D}" type="datetimeFigureOut">
               <a:rPr lang="it-IT" smtClean="0"/>
-              <a:t>08/06/2018</a:t>
+              <a:t>09/06/2018</a:t>
             </a:fld>
             <a:endParaRPr lang="it-IT"/>
           </a:p>
@@ -5406,7 +5406,7 @@
           <a:p>
             <a:fld id="{506E4A59-70D5-4CFB-BC83-B5209A8EA56D}" type="datetimeFigureOut">
               <a:rPr lang="it-IT" smtClean="0"/>
-              <a:t>08/06/2018</a:t>
+              <a:t>09/06/2018</a:t>
             </a:fld>
             <a:endParaRPr lang="it-IT"/>
           </a:p>
@@ -5912,7 +5912,7 @@
           <a:p>
             <a:fld id="{506E4A59-70D5-4CFB-BC83-B5209A8EA56D}" type="datetimeFigureOut">
               <a:rPr lang="it-IT" smtClean="0"/>
-              <a:t>08/06/2018</a:t>
+              <a:t>09/06/2018</a:t>
             </a:fld>
             <a:endParaRPr lang="it-IT"/>
           </a:p>
@@ -6169,7 +6169,7 @@
           <a:p>
             <a:fld id="{506E4A59-70D5-4CFB-BC83-B5209A8EA56D}" type="datetimeFigureOut">
               <a:rPr lang="it-IT" smtClean="0"/>
-              <a:t>08/06/2018</a:t>
+              <a:t>09/06/2018</a:t>
             </a:fld>
             <a:endParaRPr lang="it-IT"/>
           </a:p>
@@ -6332,7 +6332,7 @@
           <a:p>
             <a:fld id="{506E4A59-70D5-4CFB-BC83-B5209A8EA56D}" type="datetimeFigureOut">
               <a:rPr lang="it-IT" smtClean="0"/>
-              <a:t>08/06/2018</a:t>
+              <a:t>09/06/2018</a:t>
             </a:fld>
             <a:endParaRPr lang="it-IT"/>
           </a:p>
@@ -6722,7 +6722,7 @@
           <a:p>
             <a:fld id="{506E4A59-70D5-4CFB-BC83-B5209A8EA56D}" type="datetimeFigureOut">
               <a:rPr lang="it-IT" smtClean="0"/>
-              <a:t>08/06/2018</a:t>
+              <a:t>09/06/2018</a:t>
             </a:fld>
             <a:endParaRPr lang="it-IT"/>
           </a:p>
@@ -7131,7 +7131,7 @@
           <a:p>
             <a:fld id="{506E4A59-70D5-4CFB-BC83-B5209A8EA56D}" type="datetimeFigureOut">
               <a:rPr lang="it-IT" smtClean="0"/>
-              <a:t>08/06/2018</a:t>
+              <a:t>09/06/2018</a:t>
             </a:fld>
             <a:endParaRPr lang="it-IT"/>
           </a:p>
@@ -7375,7 +7375,7 @@
           <a:p>
             <a:fld id="{506E4A59-70D5-4CFB-BC83-B5209A8EA56D}" type="datetimeFigureOut">
               <a:rPr lang="it-IT" smtClean="0"/>
-              <a:t>08/06/2018</a:t>
+              <a:t>09/06/2018</a:t>
             </a:fld>
             <a:endParaRPr lang="it-IT"/>
           </a:p>
@@ -9636,13 +9636,13 @@
         </p:nvSpPr>
         <p:spPr>
           <a:xfrm>
-            <a:off x="680321" y="2336873"/>
-            <a:ext cx="10644171" cy="3599316"/>
+            <a:off x="680321" y="3094893"/>
+            <a:ext cx="5284381" cy="2841296"/>
           </a:xfrm>
         </p:spPr>
         <p:txBody>
           <a:bodyPr>
-            <a:normAutofit/>
+            <a:normAutofit fontScale="85000" lnSpcReduction="20000"/>
           </a:bodyPr>
           <a:lstStyle/>
           <a:p>
@@ -9711,15 +9711,434 @@
             </a:r>
             <a:endParaRPr lang="en-US" sz="3200" dirty="0"/>
           </a:p>
+        </p:txBody>
+      </p:sp>
+      <p:sp>
+        <p:nvSpPr>
+          <p:cNvPr id="4" name="Segnaposto contenuto 2">
+            <a:extLst>
+              <a:ext uri="{FF2B5EF4-FFF2-40B4-BE49-F238E27FC236}">
+                <a16:creationId xmlns:a16="http://schemas.microsoft.com/office/drawing/2014/main" id="{368FFFA6-F8E5-4A85-BAF2-60DAE9422D68}"/>
+              </a:ext>
+            </a:extLst>
+          </p:cNvPr>
+          <p:cNvSpPr txBox="1">
+            <a:spLocks/>
+          </p:cNvSpPr>
+          <p:nvPr/>
+        </p:nvSpPr>
+        <p:spPr>
+          <a:xfrm>
+            <a:off x="6572341" y="3024553"/>
+            <a:ext cx="5284381" cy="2841295"/>
+          </a:xfrm>
+          <a:prstGeom prst="rect">
+            <a:avLst/>
+          </a:prstGeom>
+        </p:spPr>
+        <p:txBody>
+          <a:bodyPr vert="horz" lIns="91440" tIns="45720" rIns="91440" bIns="45720" rtlCol="0">
+            <a:normAutofit fontScale="92500" lnSpcReduction="10000"/>
+          </a:bodyPr>
+          <a:lstStyle>
+            <a:lvl1pPr marL="228600" indent="-228600" algn="l" defTabSz="914400" rtl="0" eaLnBrk="1" latinLnBrk="0" hangingPunct="1">
+              <a:lnSpc>
+                <a:spcPct val="90000"/>
+              </a:lnSpc>
+              <a:spcBef>
+                <a:spcPts val="1000"/>
+              </a:spcBef>
+              <a:buFont typeface="Arial" panose="020B0604020202020204" pitchFamily="34" charset="0"/>
+              <a:buChar char="•"/>
+              <a:defRPr sz="2400" kern="1200">
+                <a:solidFill>
+                  <a:schemeClr val="tx1"/>
+                </a:solidFill>
+                <a:effectLst>
+                  <a:outerShdw blurRad="228600" algn="ctr" rotWithShape="0">
+                    <a:prstClr val="black">
+                      <a:alpha val="53000"/>
+                    </a:prstClr>
+                  </a:outerShdw>
+                </a:effectLst>
+                <a:latin typeface="+mn-lt"/>
+                <a:ea typeface="+mn-ea"/>
+                <a:cs typeface="+mn-cs"/>
+              </a:defRPr>
+            </a:lvl1pPr>
+            <a:lvl2pPr marL="685800" indent="-228600" algn="l" defTabSz="914400" rtl="0" eaLnBrk="1" latinLnBrk="0" hangingPunct="1">
+              <a:lnSpc>
+                <a:spcPct val="90000"/>
+              </a:lnSpc>
+              <a:spcBef>
+                <a:spcPts val="500"/>
+              </a:spcBef>
+              <a:buFont typeface="Arial" panose="020B0604020202020204" pitchFamily="34" charset="0"/>
+              <a:buChar char="•"/>
+              <a:defRPr sz="2000" kern="1200">
+                <a:solidFill>
+                  <a:schemeClr val="tx1"/>
+                </a:solidFill>
+                <a:effectLst>
+                  <a:outerShdw blurRad="228600" algn="ctr" rotWithShape="0">
+                    <a:prstClr val="black">
+                      <a:alpha val="53000"/>
+                    </a:prstClr>
+                  </a:outerShdw>
+                </a:effectLst>
+                <a:latin typeface="+mn-lt"/>
+                <a:ea typeface="+mn-ea"/>
+                <a:cs typeface="+mn-cs"/>
+              </a:defRPr>
+            </a:lvl2pPr>
+            <a:lvl3pPr marL="1143000" indent="-228600" algn="l" defTabSz="914400" rtl="0" eaLnBrk="1" latinLnBrk="0" hangingPunct="1">
+              <a:lnSpc>
+                <a:spcPct val="90000"/>
+              </a:lnSpc>
+              <a:spcBef>
+                <a:spcPts val="500"/>
+              </a:spcBef>
+              <a:buFont typeface="Arial" panose="020B0604020202020204" pitchFamily="34" charset="0"/>
+              <a:buChar char="•"/>
+              <a:defRPr sz="1800" kern="1200">
+                <a:solidFill>
+                  <a:schemeClr val="tx1"/>
+                </a:solidFill>
+                <a:effectLst>
+                  <a:outerShdw blurRad="228600" algn="ctr" rotWithShape="0">
+                    <a:prstClr val="black">
+                      <a:alpha val="53000"/>
+                    </a:prstClr>
+                  </a:outerShdw>
+                </a:effectLst>
+                <a:latin typeface="+mn-lt"/>
+                <a:ea typeface="+mn-ea"/>
+                <a:cs typeface="+mn-cs"/>
+              </a:defRPr>
+            </a:lvl3pPr>
+            <a:lvl4pPr marL="1600200" indent="-228600" algn="l" defTabSz="914400" rtl="0" eaLnBrk="1" latinLnBrk="0" hangingPunct="1">
+              <a:lnSpc>
+                <a:spcPct val="90000"/>
+              </a:lnSpc>
+              <a:spcBef>
+                <a:spcPts val="500"/>
+              </a:spcBef>
+              <a:buFont typeface="Arial" panose="020B0604020202020204" pitchFamily="34" charset="0"/>
+              <a:buChar char="•"/>
+              <a:defRPr sz="1600" kern="1200">
+                <a:solidFill>
+                  <a:schemeClr val="tx1"/>
+                </a:solidFill>
+                <a:effectLst>
+                  <a:outerShdw blurRad="228600" algn="ctr" rotWithShape="0">
+                    <a:prstClr val="black">
+                      <a:alpha val="53000"/>
+                    </a:prstClr>
+                  </a:outerShdw>
+                </a:effectLst>
+                <a:latin typeface="+mn-lt"/>
+                <a:ea typeface="+mn-ea"/>
+                <a:cs typeface="+mn-cs"/>
+              </a:defRPr>
+            </a:lvl4pPr>
+            <a:lvl5pPr marL="2057400" indent="-228600" algn="l" defTabSz="914400" rtl="0" eaLnBrk="1" latinLnBrk="0" hangingPunct="1">
+              <a:lnSpc>
+                <a:spcPct val="90000"/>
+              </a:lnSpc>
+              <a:spcBef>
+                <a:spcPts val="500"/>
+              </a:spcBef>
+              <a:buFont typeface="Arial" panose="020B0604020202020204" pitchFamily="34" charset="0"/>
+              <a:buChar char="•"/>
+              <a:defRPr sz="1600" kern="1200">
+                <a:solidFill>
+                  <a:schemeClr val="tx1"/>
+                </a:solidFill>
+                <a:effectLst>
+                  <a:outerShdw blurRad="228600" algn="ctr" rotWithShape="0">
+                    <a:prstClr val="black">
+                      <a:alpha val="53000"/>
+                    </a:prstClr>
+                  </a:outerShdw>
+                </a:effectLst>
+                <a:latin typeface="+mn-lt"/>
+                <a:ea typeface="+mn-ea"/>
+                <a:cs typeface="+mn-cs"/>
+              </a:defRPr>
+            </a:lvl5pPr>
+            <a:lvl6pPr marL="2514600" indent="-228600" algn="l" defTabSz="914400" rtl="0" eaLnBrk="1" latinLnBrk="0" hangingPunct="1">
+              <a:lnSpc>
+                <a:spcPct val="90000"/>
+              </a:lnSpc>
+              <a:spcBef>
+                <a:spcPts val="500"/>
+              </a:spcBef>
+              <a:buFont typeface="Arial" panose="020B0604020202020204" pitchFamily="34" charset="0"/>
+              <a:buChar char="•"/>
+              <a:defRPr sz="1400" kern="1200">
+                <a:solidFill>
+                  <a:schemeClr val="tx1"/>
+                </a:solidFill>
+                <a:latin typeface="+mn-lt"/>
+                <a:ea typeface="+mn-ea"/>
+                <a:cs typeface="+mn-cs"/>
+              </a:defRPr>
+            </a:lvl6pPr>
+            <a:lvl7pPr marL="2971800" indent="-228600" algn="l" defTabSz="914400" rtl="0" eaLnBrk="1" latinLnBrk="0" hangingPunct="1">
+              <a:lnSpc>
+                <a:spcPct val="90000"/>
+              </a:lnSpc>
+              <a:spcBef>
+                <a:spcPts val="500"/>
+              </a:spcBef>
+              <a:buFont typeface="Arial" panose="020B0604020202020204" pitchFamily="34" charset="0"/>
+              <a:buChar char="•"/>
+              <a:defRPr sz="1400" kern="1200">
+                <a:solidFill>
+                  <a:schemeClr val="tx1"/>
+                </a:solidFill>
+                <a:latin typeface="+mn-lt"/>
+                <a:ea typeface="+mn-ea"/>
+                <a:cs typeface="+mn-cs"/>
+              </a:defRPr>
+            </a:lvl7pPr>
+            <a:lvl8pPr marL="3429000" indent="-228600" algn="l" defTabSz="914400" rtl="0" eaLnBrk="1" latinLnBrk="0" hangingPunct="1">
+              <a:lnSpc>
+                <a:spcPct val="90000"/>
+              </a:lnSpc>
+              <a:spcBef>
+                <a:spcPts val="500"/>
+              </a:spcBef>
+              <a:buFont typeface="Arial" panose="020B0604020202020204" pitchFamily="34" charset="0"/>
+              <a:buChar char="•"/>
+              <a:defRPr sz="1400" kern="1200">
+                <a:solidFill>
+                  <a:schemeClr val="tx1"/>
+                </a:solidFill>
+                <a:latin typeface="+mn-lt"/>
+                <a:ea typeface="+mn-ea"/>
+                <a:cs typeface="+mn-cs"/>
+              </a:defRPr>
+            </a:lvl8pPr>
+            <a:lvl9pPr marL="3886200" indent="-228600" algn="l" defTabSz="914400" rtl="0" eaLnBrk="1" latinLnBrk="0" hangingPunct="1">
+              <a:lnSpc>
+                <a:spcPct val="90000"/>
+              </a:lnSpc>
+              <a:spcBef>
+                <a:spcPts val="500"/>
+              </a:spcBef>
+              <a:buFont typeface="Arial" panose="020B0604020202020204" pitchFamily="34" charset="0"/>
+              <a:buChar char="•"/>
+              <a:defRPr sz="1400" kern="1200">
+                <a:solidFill>
+                  <a:schemeClr val="tx1"/>
+                </a:solidFill>
+                <a:latin typeface="+mn-lt"/>
+                <a:ea typeface="+mn-ea"/>
+                <a:cs typeface="+mn-cs"/>
+              </a:defRPr>
+            </a:lvl9pPr>
+          </a:lstStyle>
           <a:p>
             <a:pPr marL="0" indent="0">
+              <a:buFont typeface="Arial" panose="020B0604020202020204" pitchFamily="34" charset="0"/>
               <a:buNone/>
             </a:pPr>
             <a:r>
+              <a:rPr lang="en-US" sz="3200" dirty="0">
+                <a:solidFill>
+                  <a:schemeClr val="bg1"/>
+                </a:solidFill>
+              </a:rPr>
+              <a:t>Random Forest</a:t>
+            </a:r>
+          </a:p>
+          <a:p>
+            <a:r>
               <a:rPr lang="en-US" sz="3200" dirty="0"/>
-              <a:t>R2 value of 85.5</a:t>
-            </a:r>
-            <a:endParaRPr lang="it-IT" sz="3200" dirty="0"/>
+              <a:t>150 trees</a:t>
+            </a:r>
+          </a:p>
+          <a:p>
+            <a:r>
+              <a:rPr lang="en-US" sz="3200" dirty="0" err="1"/>
+              <a:t>Min_leaf_sample</a:t>
+            </a:r>
+            <a:r>
+              <a:rPr lang="en-US" sz="3200" dirty="0"/>
+              <a:t> = 5</a:t>
+            </a:r>
+          </a:p>
+          <a:p>
+            <a:r>
+              <a:rPr lang="en-US" sz="3200" dirty="0"/>
+              <a:t>no feature selection applied</a:t>
+            </a:r>
+          </a:p>
+          <a:p>
+            <a:r>
+              <a:rPr lang="it-IT" sz="3200" dirty="0" err="1"/>
+              <a:t>Predict</a:t>
+            </a:r>
+            <a:r>
+              <a:rPr lang="it-IT" sz="3200" dirty="0"/>
+              <a:t> Sales </a:t>
+            </a:r>
+            <a:r>
+              <a:rPr lang="it-IT" sz="3200" dirty="0" err="1"/>
+              <a:t>directly</a:t>
+            </a:r>
+            <a:r>
+              <a:rPr lang="it-IT" sz="3200" dirty="0"/>
+              <a:t> </a:t>
+            </a:r>
+            <a:r>
+              <a:rPr lang="it-IT" sz="3200" dirty="0" err="1"/>
+              <a:t>without</a:t>
+            </a:r>
+            <a:r>
+              <a:rPr lang="it-IT" sz="3200" dirty="0"/>
+              <a:t> </a:t>
+            </a:r>
+            <a:r>
+              <a:rPr lang="it-IT" sz="3200" dirty="0" err="1"/>
+              <a:t>Customers</a:t>
+            </a:r>
+            <a:endParaRPr lang="en-US" sz="3200" dirty="0"/>
+          </a:p>
+        </p:txBody>
+      </p:sp>
+      <p:sp>
+        <p:nvSpPr>
+          <p:cNvPr id="5" name="CasellaDiTesto 4">
+            <a:extLst>
+              <a:ext uri="{FF2B5EF4-FFF2-40B4-BE49-F238E27FC236}">
+                <a16:creationId xmlns:a16="http://schemas.microsoft.com/office/drawing/2014/main" id="{A9ED79D0-8D44-4782-B959-FDDB06F0D009}"/>
+              </a:ext>
+            </a:extLst>
+          </p:cNvPr>
+          <p:cNvSpPr txBox="1"/>
+          <p:nvPr/>
+        </p:nvSpPr>
+        <p:spPr>
+          <a:xfrm>
+            <a:off x="4246099" y="2141364"/>
+            <a:ext cx="3969434" cy="646331"/>
+          </a:xfrm>
+          <a:prstGeom prst="rect">
+            <a:avLst/>
+          </a:prstGeom>
+          <a:noFill/>
+        </p:spPr>
+        <p:txBody>
+          <a:bodyPr wrap="square" rtlCol="0">
+            <a:spAutoFit/>
+          </a:bodyPr>
+          <a:lstStyle/>
+          <a:p>
+            <a:r>
+              <a:rPr lang="it-IT" sz="3600" dirty="0" err="1">
+                <a:solidFill>
+                  <a:schemeClr val="bg1"/>
+                </a:solidFill>
+                <a:effectLst>
+                  <a:outerShdw blurRad="38100" dist="38100" dir="2700000" algn="tl">
+                    <a:srgbClr val="000000">
+                      <a:alpha val="43137"/>
+                    </a:srgbClr>
+                  </a:outerShdw>
+                </a:effectLst>
+              </a:rPr>
+              <a:t>Average</a:t>
+            </a:r>
+            <a:r>
+              <a:rPr lang="it-IT" sz="3600" dirty="0">
+                <a:solidFill>
+                  <a:schemeClr val="bg1"/>
+                </a:solidFill>
+                <a:effectLst>
+                  <a:outerShdw blurRad="38100" dist="38100" dir="2700000" algn="tl">
+                    <a:srgbClr val="000000">
+                      <a:alpha val="43137"/>
+                    </a:srgbClr>
+                  </a:outerShdw>
+                </a:effectLst>
+              </a:rPr>
+              <a:t> </a:t>
+            </a:r>
+            <a:r>
+              <a:rPr lang="it-IT" sz="3600" dirty="0" err="1">
+                <a:solidFill>
+                  <a:schemeClr val="bg1"/>
+                </a:solidFill>
+                <a:effectLst>
+                  <a:outerShdw blurRad="38100" dist="38100" dir="2700000" algn="tl">
+                    <a:srgbClr val="000000">
+                      <a:alpha val="43137"/>
+                    </a:srgbClr>
+                  </a:outerShdw>
+                </a:effectLst>
+              </a:rPr>
+              <a:t>between</a:t>
+            </a:r>
+            <a:r>
+              <a:rPr lang="it-IT" sz="3600" dirty="0">
+                <a:solidFill>
+                  <a:schemeClr val="bg1"/>
+                </a:solidFill>
+                <a:effectLst>
+                  <a:outerShdw blurRad="38100" dist="38100" dir="2700000" algn="tl">
+                    <a:srgbClr val="000000">
+                      <a:alpha val="43137"/>
+                    </a:srgbClr>
+                  </a:outerShdw>
+                </a:effectLst>
+              </a:rPr>
+              <a:t>:</a:t>
+            </a:r>
+          </a:p>
+        </p:txBody>
+      </p:sp>
+      <p:sp>
+        <p:nvSpPr>
+          <p:cNvPr id="6" name="CasellaDiTesto 5">
+            <a:extLst>
+              <a:ext uri="{FF2B5EF4-FFF2-40B4-BE49-F238E27FC236}">
+                <a16:creationId xmlns:a16="http://schemas.microsoft.com/office/drawing/2014/main" id="{B621A054-CFBC-4098-BFAC-1941AAB292AE}"/>
+              </a:ext>
+            </a:extLst>
+          </p:cNvPr>
+          <p:cNvSpPr txBox="1"/>
+          <p:nvPr/>
+        </p:nvSpPr>
+        <p:spPr>
+          <a:xfrm>
+            <a:off x="4600135" y="6231988"/>
+            <a:ext cx="2700997" cy="523220"/>
+          </a:xfrm>
+          <a:prstGeom prst="rect">
+            <a:avLst/>
+          </a:prstGeom>
+          <a:noFill/>
+        </p:spPr>
+        <p:txBody>
+          <a:bodyPr wrap="square" rtlCol="0">
+            <a:spAutoFit/>
+          </a:bodyPr>
+          <a:lstStyle/>
+          <a:p>
+            <a:r>
+              <a:rPr lang="it-IT" sz="2800" dirty="0">
+                <a:effectLst>
+                  <a:outerShdw blurRad="38100" dist="38100" dir="2700000" algn="tl">
+                    <a:srgbClr val="000000">
+                      <a:alpha val="43137"/>
+                    </a:srgbClr>
+                  </a:outerShdw>
+                </a:effectLst>
+              </a:rPr>
+              <a:t>R2 score 0.868</a:t>
+            </a:r>
           </a:p>
         </p:txBody>
       </p:sp>
